--- a/dallas/iab92-semi-plenary.pptx
+++ b/dallas/iab92-semi-plenary.pptx
@@ -5035,36 +5035,6 @@
           </a:p>
         </p:txBody>
       </p:sp>
-      <p:pic>
-        <p:nvPicPr>
-          <p:cNvPr id="2" name="Picture 1" descr="plenary-hourglass.pdf"/>
-          <p:cNvPicPr>
-            <a:picLocks noChangeAspect="1"/>
-          </p:cNvPicPr>
-          <p:nvPr/>
-        </p:nvPicPr>
-        <p:blipFill>
-          <a:blip r:embed="rId2">
-            <a:extLst>
-              <a:ext uri="{28A0092B-C50C-407E-A947-70E740481C1C}">
-                <a14:useLocalDpi xmlns:a14="http://schemas.microsoft.com/office/drawing/2010/main" val="0"/>
-              </a:ext>
-            </a:extLst>
-          </a:blip>
-          <a:stretch>
-            <a:fillRect/>
-          </a:stretch>
-        </p:blipFill>
-        <p:spPr>
-          <a:xfrm>
-            <a:off x="5592141" y="2402378"/>
-            <a:ext cx="6982494" cy="6794904"/>
-          </a:xfrm>
-          <a:prstGeom prst="rect">
-            <a:avLst/>
-          </a:prstGeom>
-        </p:spPr>
-      </p:pic>
       <p:sp>
         <p:nvSpPr>
           <p:cNvPr id="65" name="Shape 65"/>
@@ -5210,6 +5180,30 @@
           </a:p>
         </p:txBody>
       </p:sp>
+      <p:pic>
+        <p:nvPicPr>
+          <p:cNvPr id="3" name="Picture 2"/>
+          <p:cNvPicPr>
+            <a:picLocks noChangeAspect="1"/>
+          </p:cNvPicPr>
+          <p:nvPr/>
+        </p:nvPicPr>
+        <p:blipFill>
+          <a:blip r:embed="rId2"/>
+          <a:stretch>
+            <a:fillRect/>
+          </a:stretch>
+        </p:blipFill>
+        <p:spPr>
+          <a:xfrm>
+            <a:off x="5773594" y="2518390"/>
+            <a:ext cx="6557794" cy="6371610"/>
+          </a:xfrm>
+          <a:prstGeom prst="rect">
+            <a:avLst/>
+          </a:prstGeom>
+        </p:spPr>
+      </p:pic>
     </p:spTree>
   </p:cSld>
   <p:clrMapOvr>
